--- a/Day 4/Annotation part1.pptx
+++ b/Day 4/Annotation part1.pptx
@@ -4543,13 +4543,8 @@
               <a:rPr lang="it-IT" dirty="0">
                 <a:effectLst/>
               </a:rPr>
-              <a:t>L'annotazione @Setter si comporta allo stesso modo del getter. Genererà un setter per il campo con livello di accesso pubblico. Tuttavia, non funzionerà se lo aggiungi a una variabile finale e il tuo IDE probabilmente si lamenterà di questo.</a:t>
-            </a:r>
-          </a:p>
-          <a:p>
-            <a:pPr marL="114300" indent="0">
-              <a:buNone/>
-            </a:pPr>
+              <a:t>L'annotazione @Setter si comporta allo stesso modo del getter. Genererà un setter per il campo con livello di accesso pubblico. </a:t>
+            </a:r>
             <a:br>
               <a:rPr lang="it-IT" dirty="0">
                 <a:effectLst/>
